--- a/Веретенников.Нечипоренко.Царенко/ПР+5%.pptx
+++ b/Веретенников.Нечипоренко.Царенко/ПР+5%.pptx
@@ -146,7 +146,7 @@
           <a:p>
             <a:fld id="{B4C71EC6-210F-42DE-9C53-41977AD35B3D}" type="datetimeFigureOut">
               <a:rPr lang="ru-RU" smtClean="0"/>
-              <a:t>07.10.2025</a:t>
+              <a:t>14.10.2025</a:t>
             </a:fld>
             <a:endParaRPr lang="ru-RU"/>
           </a:p>
@@ -863,7 +863,7 @@
           <a:p>
             <a:fld id="{B4C71EC6-210F-42DE-9C53-41977AD35B3D}" type="datetimeFigureOut">
               <a:rPr lang="ru-RU" smtClean="0"/>
-              <a:t>07.10.2025</a:t>
+              <a:t>14.10.2025</a:t>
             </a:fld>
             <a:endParaRPr lang="ru-RU"/>
           </a:p>
@@ -1048,7 +1048,7 @@
           <a:p>
             <a:fld id="{B4C71EC6-210F-42DE-9C53-41977AD35B3D}" type="datetimeFigureOut">
               <a:rPr lang="ru-RU" smtClean="0"/>
-              <a:t>07.10.2025</a:t>
+              <a:t>14.10.2025</a:t>
             </a:fld>
             <a:endParaRPr lang="ru-RU"/>
           </a:p>
@@ -1223,7 +1223,7 @@
           <a:p>
             <a:fld id="{B4C71EC6-210F-42DE-9C53-41977AD35B3D}" type="datetimeFigureOut">
               <a:rPr lang="ru-RU" smtClean="0"/>
-              <a:t>07.10.2025</a:t>
+              <a:t>14.10.2025</a:t>
             </a:fld>
             <a:endParaRPr lang="ru-RU"/>
           </a:p>
@@ -2706,7 +2706,7 @@
           <a:p>
             <a:fld id="{B4C71EC6-210F-42DE-9C53-41977AD35B3D}" type="datetimeFigureOut">
               <a:rPr lang="ru-RU" smtClean="0"/>
-              <a:t>07.10.2025</a:t>
+              <a:t>14.10.2025</a:t>
             </a:fld>
             <a:endParaRPr lang="ru-RU"/>
           </a:p>
@@ -3306,7 +3306,7 @@
           <a:p>
             <a:fld id="{B4C71EC6-210F-42DE-9C53-41977AD35B3D}" type="datetimeFigureOut">
               <a:rPr lang="ru-RU" smtClean="0"/>
-              <a:t>07.10.2025</a:t>
+              <a:t>14.10.2025</a:t>
             </a:fld>
             <a:endParaRPr lang="ru-RU"/>
           </a:p>
@@ -3743,7 +3743,7 @@
           <a:p>
             <a:fld id="{B4C71EC6-210F-42DE-9C53-41977AD35B3D}" type="datetimeFigureOut">
               <a:rPr lang="ru-RU" smtClean="0"/>
-              <a:t>07.10.2025</a:t>
+              <a:t>14.10.2025</a:t>
             </a:fld>
             <a:endParaRPr lang="ru-RU"/>
           </a:p>
@@ -4304,7 +4304,7 @@
           <a:p>
             <a:fld id="{B4C71EC6-210F-42DE-9C53-41977AD35B3D}" type="datetimeFigureOut">
               <a:rPr lang="ru-RU" smtClean="0"/>
-              <a:t>07.10.2025</a:t>
+              <a:t>14.10.2025</a:t>
             </a:fld>
             <a:endParaRPr lang="ru-RU"/>
           </a:p>
@@ -4400,7 +4400,7 @@
           <a:p>
             <a:fld id="{B4C71EC6-210F-42DE-9C53-41977AD35B3D}" type="datetimeFigureOut">
               <a:rPr lang="ru-RU" smtClean="0"/>
-              <a:t>07.10.2025</a:t>
+              <a:t>14.10.2025</a:t>
             </a:fld>
             <a:endParaRPr lang="ru-RU"/>
           </a:p>
@@ -4654,7 +4654,7 @@
           <a:p>
             <a:fld id="{B4C71EC6-210F-42DE-9C53-41977AD35B3D}" type="datetimeFigureOut">
               <a:rPr lang="ru-RU" smtClean="0"/>
-              <a:t>07.10.2025</a:t>
+              <a:t>14.10.2025</a:t>
             </a:fld>
             <a:endParaRPr lang="ru-RU"/>
           </a:p>
@@ -5375,7 +5375,7 @@
           <a:p>
             <a:fld id="{B4C71EC6-210F-42DE-9C53-41977AD35B3D}" type="datetimeFigureOut">
               <a:rPr lang="ru-RU" smtClean="0"/>
-              <a:t>07.10.2025</a:t>
+              <a:t>14.10.2025</a:t>
             </a:fld>
             <a:endParaRPr lang="ru-RU"/>
           </a:p>
@@ -6048,7 +6048,7 @@
           <a:p>
             <a:fld id="{B4C71EC6-210F-42DE-9C53-41977AD35B3D}" type="datetimeFigureOut">
               <a:rPr lang="ru-RU" smtClean="0"/>
-              <a:t>07.10.2025</a:t>
+              <a:t>14.10.2025</a:t>
             </a:fld>
             <a:endParaRPr lang="ru-RU"/>
           </a:p>
@@ -6457,16 +6457,21 @@
             <p:ph type="ctrTitle"/>
           </p:nvPr>
         </p:nvSpPr>
-        <p:spPr/>
+        <p:spPr>
+          <a:xfrm>
+            <a:off x="914400" y="4343400"/>
+            <a:ext cx="9130208" cy="1975104"/>
+          </a:xfrm>
+        </p:spPr>
         <p:txBody>
           <a:bodyPr/>
           <a:lstStyle/>
           <a:p>
             <a:r>
-              <a:rPr lang="en-US" dirty="0" smtClean="0"/>
-              <a:t>Smart to-do list</a:t>
-            </a:r>
-            <a:endParaRPr lang="ru-RU" dirty="0"/>
+              <a:rPr lang="ru-RU" sz="12800" dirty="0" err="1" smtClean="0"/>
+              <a:t>Автокасса</a:t>
+            </a:r>
+            <a:endParaRPr lang="ru-RU" sz="12800" dirty="0"/>
           </a:p>
         </p:txBody>
       </p:sp>
@@ -6482,8 +6487,8 @@
         </p:nvSpPr>
         <p:spPr>
           <a:xfrm>
-            <a:off x="4499992" y="1196752"/>
-            <a:ext cx="4474840" cy="3146648"/>
+            <a:off x="4499992" y="0"/>
+            <a:ext cx="4474840" cy="1778496"/>
           </a:xfrm>
         </p:spPr>
         <p:txBody>
@@ -6498,12 +6503,8 @@
               <a:t>Учреждение: </a:t>
             </a:r>
             <a:r>
-              <a:rPr lang="ru-RU" dirty="0"/>
-              <a:t>Учебное </a:t>
-            </a:r>
-            <a:r>
               <a:rPr lang="ru-RU" dirty="0" smtClean="0"/>
-              <a:t>заведение</a:t>
+              <a:t>ЧЛМТ</a:t>
             </a:r>
             <a:endParaRPr lang="ru-RU" dirty="0"/>
           </a:p>
@@ -6608,7 +6609,6 @@
               <a:rPr lang="ru-RU" b="1" dirty="0"/>
               <a:t>конкурентов</a:t>
             </a:r>
-            <a:endParaRPr lang="ru-RU" b="1" dirty="0"/>
           </a:p>
         </p:txBody>
       </p:sp>
@@ -6622,7 +6622,7 @@
             <p:ph idx="1"/>
             <p:extLst>
               <p:ext uri="{D42A27DB-BD31-4B8C-83A1-F6EECF244321}">
-                <p14:modId xmlns:p14="http://schemas.microsoft.com/office/powerpoint/2010/main" val="2579544258"/>
+                <p14:modId xmlns:p14="http://schemas.microsoft.com/office/powerpoint/2010/main" val="2141079647"/>
               </p:ext>
             </p:extLst>
           </p:nvPr>
@@ -6651,7 +6651,7 @@
                     <a:p>
                       <a:pPr algn="l"/>
                       <a:r>
-                        <a:rPr lang="ru-RU" sz="1600" dirty="0">
+                        <a:rPr lang="ru-RU" sz="1400" dirty="0">
                           <a:solidFill>
                             <a:schemeClr val="bg1"/>
                           </a:solidFill>
@@ -6670,7 +6670,7 @@
                     <a:p>
                       <a:pPr algn="l"/>
                       <a:r>
-                        <a:rPr lang="ru-RU" sz="1600" dirty="0">
+                        <a:rPr lang="ru-RU" sz="1400" dirty="0">
                           <a:solidFill>
                             <a:schemeClr val="bg1"/>
                           </a:solidFill>
@@ -6689,7 +6689,7 @@
                     <a:p>
                       <a:pPr algn="l"/>
                       <a:r>
-                        <a:rPr lang="ru-RU" sz="1600" dirty="0">
+                        <a:rPr lang="ru-RU" sz="1400" dirty="0">
                           <a:solidFill>
                             <a:schemeClr val="bg1"/>
                           </a:solidFill>
@@ -6708,7 +6708,7 @@
                     <a:p>
                       <a:pPr algn="l"/>
                       <a:r>
-                        <a:rPr lang="ru-RU" sz="1600" dirty="0">
+                        <a:rPr lang="ru-RU" sz="1400" dirty="0">
                           <a:solidFill>
                             <a:schemeClr val="bg1"/>
                           </a:solidFill>
@@ -6728,12 +6728,18 @@
                     <a:lstStyle/>
                     <a:p>
                       <a:r>
-                        <a:rPr lang="en-US" sz="1600" b="1" dirty="0">
+                        <a:rPr lang="ru-RU" sz="1400" b="1" dirty="0" err="1" smtClean="0">
                           <a:effectLst/>
                         </a:rPr>
-                        <a:t>Google Keep</a:t>
+                        <a:t>BusManager</a:t>
                       </a:r>
-                      <a:endParaRPr lang="en-US" sz="1600" dirty="0">
+                      <a:r>
+                        <a:rPr lang="ru-RU" sz="1400" b="1" dirty="0" smtClean="0">
+                          <a:effectLst/>
+                        </a:rPr>
+                        <a:t> (от ГК «Автоколонна»)	</a:t>
+                      </a:r>
+                      <a:endParaRPr lang="en-US" sz="1400" dirty="0">
                         <a:effectLst/>
                       </a:endParaRPr>
                     </a:p>
@@ -6746,11 +6752,26 @@
                     <a:lstStyle/>
                     <a:p>
                       <a:r>
-                        <a:rPr lang="ru-RU" sz="1600">
+                        <a:rPr lang="ru-RU" sz="1400" dirty="0" smtClean="0">
                           <a:effectLst/>
                         </a:rPr>
-                        <a:t>Простые заметки, напоминания</a:t>
+                        <a:t>Управление маршрутами, учет рейсов,</a:t>
                       </a:r>
+                      <a:r>
+                        <a:rPr lang="ru-RU" sz="1400" baseline="0" dirty="0" smtClean="0">
+                          <a:effectLst/>
+                        </a:rPr>
+                        <a:t> </a:t>
+                      </a:r>
+                      <a:r>
+                        <a:rPr lang="ru-RU" sz="1400" dirty="0" smtClean="0">
+                          <a:effectLst/>
+                        </a:rPr>
+                        <a:t>отчетность	</a:t>
+                      </a:r>
+                      <a:endParaRPr lang="ru-RU" sz="1400" dirty="0">
+                        <a:effectLst/>
+                      </a:endParaRPr>
                     </a:p>
                   </a:txBody>
                   <a:tcPr marL="152400" marR="152400" marT="95250" marB="95250" anchor="ctr"/>
@@ -6761,11 +6782,14 @@
                     <a:lstStyle/>
                     <a:p>
                       <a:r>
-                        <a:rPr lang="ru-RU" sz="1600" dirty="0">
+                        <a:rPr lang="ru-RU" sz="1400" b="0" dirty="0" smtClean="0">
                           <a:effectLst/>
                         </a:rPr>
-                        <a:t>Ограниченный функционал, нет автоматической организации</a:t>
+                        <a:t>Высокая стоимость, сложность настройки</a:t>
                       </a:r>
+                      <a:endParaRPr lang="ru-RU" sz="1400" dirty="0" smtClean="0">
+                        <a:effectLst/>
+                      </a:endParaRPr>
                     </a:p>
                   </a:txBody>
                   <a:tcPr marL="152400" marR="152400" marT="95250" marB="95250" anchor="ctr"/>
@@ -6776,10 +6800,10 @@
                     <a:lstStyle/>
                     <a:p>
                       <a:r>
-                        <a:rPr lang="ru-RU" sz="1600" b="0" dirty="0">
+                        <a:rPr lang="ru-RU" sz="1400" b="0" dirty="0" smtClean="0">
                           <a:effectLst/>
                         </a:rPr>
-                        <a:t>Автоматическая категоризация по содержанию заметок</a:t>
+                        <a:t>Доступная цена, простая настройка и поддержка</a:t>
                       </a:r>
                     </a:p>
                   </a:txBody>
@@ -6793,12 +6817,24 @@
                     <a:lstStyle/>
                     <a:p>
                       <a:r>
-                        <a:rPr lang="en-US" sz="1600" b="1" dirty="0">
+                        <a:rPr lang="ru-RU" sz="1400" b="1" dirty="0" smtClean="0">
                           <a:effectLst/>
                         </a:rPr>
-                        <a:t>Notion</a:t>
+                        <a:t>Касса Онлайн (</a:t>
                       </a:r>
-                      <a:endParaRPr lang="en-US" sz="1600" dirty="0">
+                      <a:r>
+                        <a:rPr lang="ru-RU" sz="1400" b="1" dirty="0" err="1" smtClean="0">
+                          <a:effectLst/>
+                        </a:rPr>
+                        <a:t>Касса.ру</a:t>
+                      </a:r>
+                      <a:r>
+                        <a:rPr lang="ru-RU" sz="1400" b="1" dirty="0" smtClean="0">
+                          <a:effectLst/>
+                        </a:rPr>
+                        <a:t>)</a:t>
+                      </a:r>
+                      <a:endParaRPr lang="en-US" sz="1400" dirty="0">
                         <a:effectLst/>
                       </a:endParaRPr>
                     </a:p>
@@ -6811,11 +6847,14 @@
                     <a:lstStyle/>
                     <a:p>
                       <a:r>
-                        <a:rPr lang="ru-RU" sz="1600" dirty="0">
+                        <a:rPr lang="ru-RU" sz="1400" dirty="0" smtClean="0">
                           <a:effectLst/>
                         </a:rPr>
-                        <a:t>Базы данных, шаблоны</a:t>
+                        <a:t>Онлайн-продажа билетов, интеграция с платежными системами</a:t>
                       </a:r>
+                      <a:endParaRPr lang="ru-RU" sz="1400" dirty="0">
+                        <a:effectLst/>
+                      </a:endParaRPr>
                     </a:p>
                   </a:txBody>
                   <a:tcPr marL="152400" marR="152400" marT="95250" marB="95250" anchor="ctr"/>
@@ -6826,11 +6865,14 @@
                     <a:lstStyle/>
                     <a:p>
                       <a:r>
-                        <a:rPr lang="ru-RU" sz="1600">
+                        <a:rPr lang="ru-RU" sz="1400" dirty="0" smtClean="0">
                           <a:effectLst/>
                         </a:rPr>
-                        <a:t>Слишком сложен для простых заметок</a:t>
+                        <a:t>Ограниченная функциональность для офлайн работы</a:t>
                       </a:r>
+                      <a:endParaRPr lang="ru-RU" sz="1400" dirty="0">
+                        <a:effectLst/>
+                      </a:endParaRPr>
                     </a:p>
                   </a:txBody>
                   <a:tcPr marL="152400" marR="152400" marT="95250" marB="95250" anchor="ctr"/>
@@ -6841,11 +6883,14 @@
                     <a:lstStyle/>
                     <a:p>
                       <a:r>
-                        <a:rPr lang="ru-RU" sz="1600" b="0" dirty="0">
+                        <a:rPr lang="ru-RU" sz="1400" b="0" dirty="0" smtClean="0">
                           <a:effectLst/>
                         </a:rPr>
-                        <a:t>Фокус на быстрое создание и организацию</a:t>
+                        <a:t>Мощная онлайн-платформа, мобильное приложение</a:t>
                       </a:r>
+                      <a:endParaRPr lang="ru-RU" sz="1400" b="0" dirty="0">
+                        <a:effectLst/>
+                      </a:endParaRPr>
                     </a:p>
                   </a:txBody>
                   <a:tcPr marL="152400" marT="95250" marB="95250" anchor="ctr"/>
@@ -7014,24 +7059,194 @@
           <a:p>
             <a:r>
               <a:rPr lang="ru-RU" b="1" dirty="0" smtClean="0"/>
-              <a:t>Эскиз проекта</a:t>
+              <a:t>Логотип</a:t>
             </a:r>
             <a:endParaRPr lang="ru-RU" b="1" dirty="0"/>
+          </a:p>
+        </p:txBody>
+      </p:sp>
+      <p:sp>
+        <p:nvSpPr>
+          <p:cNvPr id="5" name="Прямоугольник 4"/>
+          <p:cNvSpPr/>
+          <p:nvPr/>
+        </p:nvSpPr>
+        <p:spPr>
+          <a:xfrm>
+            <a:off x="2683661" y="1628800"/>
+            <a:ext cx="3273211" cy="4091055"/>
+          </a:xfrm>
+          <a:prstGeom prst="rect">
+            <a:avLst/>
+          </a:prstGeom>
+          <a:solidFill>
+            <a:schemeClr val="tx1"/>
+          </a:solidFill>
+          <a:ln>
+            <a:solidFill>
+              <a:schemeClr val="tx1"/>
+            </a:solidFill>
+          </a:ln>
+        </p:spPr>
+        <p:style>
+          <a:lnRef idx="2">
+            <a:schemeClr val="accent1">
+              <a:shade val="50000"/>
+            </a:schemeClr>
+          </a:lnRef>
+          <a:fillRef idx="1">
+            <a:schemeClr val="accent1"/>
+          </a:fillRef>
+          <a:effectRef idx="0">
+            <a:schemeClr val="accent1"/>
+          </a:effectRef>
+          <a:fontRef idx="minor">
+            <a:schemeClr val="lt1"/>
+          </a:fontRef>
+        </p:style>
+        <p:txBody>
+          <a:bodyPr rtlCol="0" anchor="ctr"/>
+          <a:lstStyle/>
+          <a:p>
+            <a:pPr algn="ctr"/>
+            <a:endParaRPr lang="ru-RU"/>
           </a:p>
         </p:txBody>
       </p:sp>
       <p:pic>
         <p:nvPicPr>
-          <p:cNvPr id="2051" name="Picture 3"/>
+          <p:cNvPr id="1026" name="Picture 2"/>
           <p:cNvPicPr>
-            <a:picLocks noGrp="1" noChangeAspect="1" noChangeArrowheads="1"/>
+            <a:picLocks noChangeAspect="1" noChangeArrowheads="1"/>
           </p:cNvPicPr>
-          <p:nvPr>
-            <p:ph idx="1"/>
-          </p:nvPr>
+          <p:nvPr/>
+        </p:nvPicPr>
+        <p:blipFill rotWithShape="1">
+          <a:blip r:embed="rId2">
+            <a:extLst>
+              <a:ext uri="{28A0092B-C50C-407E-A947-70E740481C1C}">
+                <a14:useLocalDpi xmlns:a14="http://schemas.microsoft.com/office/drawing/2010/main" val="0"/>
+              </a:ext>
+            </a:extLst>
+          </a:blip>
+          <a:srcRect r="55271"/>
+          <a:stretch/>
+        </p:blipFill>
+        <p:spPr bwMode="auto">
+          <a:xfrm>
+            <a:off x="2683661" y="1628800"/>
+            <a:ext cx="3273211" cy="3187287"/>
+          </a:xfrm>
+          <a:prstGeom prst="rect">
+            <a:avLst/>
+          </a:prstGeom>
+          <a:noFill/>
+          <a:ln>
+            <a:noFill/>
+          </a:ln>
+          <a:effectLst/>
+          <a:extLst>
+            <a:ext uri="{909E8E84-426E-40DD-AFC4-6F175D3DCCD1}">
+              <a14:hiddenFill xmlns:a14="http://schemas.microsoft.com/office/drawing/2010/main">
+                <a:solidFill>
+                  <a:schemeClr val="accent1"/>
+                </a:solidFill>
+              </a14:hiddenFill>
+            </a:ext>
+            <a:ext uri="{91240B29-F687-4F45-9708-019B960494DF}">
+              <a14:hiddenLine xmlns:a14="http://schemas.microsoft.com/office/drawing/2010/main" w="9525">
+                <a:solidFill>
+                  <a:schemeClr val="tx1"/>
+                </a:solidFill>
+                <a:miter lim="800000"/>
+                <a:headEnd/>
+                <a:tailEnd/>
+              </a14:hiddenLine>
+            </a:ext>
+            <a:ext uri="{AF507438-7753-43E0-B8FC-AC1667EBCBE1}">
+              <a14:hiddenEffects xmlns:a14="http://schemas.microsoft.com/office/drawing/2010/main">
+                <a:effectLst>
+                  <a:outerShdw dist="35921" dir="2700000" algn="ctr" rotWithShape="0">
+                    <a:schemeClr val="bg2"/>
+                  </a:outerShdw>
+                </a:effectLst>
+              </a14:hiddenEffects>
+            </a:ext>
+          </a:extLst>
+        </p:spPr>
+      </p:pic>
+      <p:pic>
+        <p:nvPicPr>
+          <p:cNvPr id="1027" name="Picture 3"/>
+          <p:cNvPicPr>
+            <a:picLocks noChangeAspect="1" noChangeArrowheads="1"/>
+          </p:cNvPicPr>
+          <p:nvPr/>
+        </p:nvPicPr>
+        <p:blipFill rotWithShape="1">
+          <a:blip r:embed="rId3">
+            <a:extLst>
+              <a:ext uri="{28A0092B-C50C-407E-A947-70E740481C1C}">
+                <a14:useLocalDpi xmlns:a14="http://schemas.microsoft.com/office/drawing/2010/main" val="0"/>
+              </a:ext>
+            </a:extLst>
+          </a:blip>
+          <a:srcRect t="21232" b="37355"/>
+          <a:stretch/>
+        </p:blipFill>
+        <p:spPr bwMode="auto">
+          <a:xfrm>
+            <a:off x="3148691" y="4816087"/>
+            <a:ext cx="2343150" cy="903768"/>
+          </a:xfrm>
+          <a:prstGeom prst="rect">
+            <a:avLst/>
+          </a:prstGeom>
+          <a:noFill/>
+          <a:ln>
+            <a:noFill/>
+          </a:ln>
+          <a:effectLst/>
+          <a:extLst>
+            <a:ext uri="{909E8E84-426E-40DD-AFC4-6F175D3DCCD1}">
+              <a14:hiddenFill xmlns:a14="http://schemas.microsoft.com/office/drawing/2010/main">
+                <a:solidFill>
+                  <a:schemeClr val="accent1"/>
+                </a:solidFill>
+              </a14:hiddenFill>
+            </a:ext>
+            <a:ext uri="{91240B29-F687-4F45-9708-019B960494DF}">
+              <a14:hiddenLine xmlns:a14="http://schemas.microsoft.com/office/drawing/2010/main" w="9525">
+                <a:solidFill>
+                  <a:schemeClr val="tx1"/>
+                </a:solidFill>
+                <a:miter lim="800000"/>
+                <a:headEnd/>
+                <a:tailEnd/>
+              </a14:hiddenLine>
+            </a:ext>
+            <a:ext uri="{AF507438-7753-43E0-B8FC-AC1667EBCBE1}">
+              <a14:hiddenEffects xmlns:a14="http://schemas.microsoft.com/office/drawing/2010/main">
+                <a:effectLst>
+                  <a:outerShdw dist="35921" dir="2700000" algn="ctr" rotWithShape="0">
+                    <a:schemeClr val="bg2"/>
+                  </a:outerShdw>
+                </a:effectLst>
+              </a14:hiddenEffects>
+            </a:ext>
+          </a:extLst>
+        </p:spPr>
+      </p:pic>
+      <p:pic>
+        <p:nvPicPr>
+          <p:cNvPr id="3" name="Picture 2"/>
+          <p:cNvPicPr>
+            <a:picLocks noChangeAspect="1" noChangeArrowheads="1"/>
+          </p:cNvPicPr>
+          <p:nvPr/>
         </p:nvPicPr>
         <p:blipFill>
-          <a:blip r:embed="rId2">
+          <a:blip r:embed="rId4">
             <a:extLst>
               <a:ext uri="{28A0092B-C50C-407E-A947-70E740481C1C}">
                 <a14:useLocalDpi xmlns:a14="http://schemas.microsoft.com/office/drawing/2010/main" val="0"/>
@@ -7045,8 +7260,8 @@
         </p:blipFill>
         <p:spPr bwMode="auto">
           <a:xfrm>
-            <a:off x="5580112" y="476672"/>
-            <a:ext cx="2808312" cy="5907369"/>
+            <a:off x="2670988" y="1628800"/>
+            <a:ext cx="3285884" cy="3096344"/>
           </a:xfrm>
           <a:prstGeom prst="rect">
             <a:avLst/>
@@ -7150,15 +7365,77 @@
           </a:p>
         </p:txBody>
       </p:sp>
-      <p:pic>
-        <p:nvPicPr>
-          <p:cNvPr id="1026" name="Picture 2"/>
-          <p:cNvPicPr>
-            <a:picLocks noGrp="1" noChangeAspect="1" noChangeArrowheads="1"/>
-          </p:cNvPicPr>
+      <p:sp>
+        <p:nvSpPr>
+          <p:cNvPr id="3" name="Объект 2"/>
+          <p:cNvSpPr>
+            <a:spLocks noGrp="1"/>
+          </p:cNvSpPr>
           <p:nvPr>
             <p:ph idx="1"/>
           </p:nvPr>
+        </p:nvSpPr>
+        <p:spPr>
+          <a:xfrm>
+            <a:off x="914400" y="4653136"/>
+            <a:ext cx="7772400" cy="1702424"/>
+          </a:xfrm>
+        </p:spPr>
+        <p:txBody>
+          <a:bodyPr>
+            <a:normAutofit/>
+          </a:bodyPr>
+          <a:lstStyle/>
+          <a:p>
+            <a:pPr marL="68580" indent="0">
+              <a:buNone/>
+            </a:pPr>
+            <a:r>
+              <a:rPr lang="ru-RU" sz="2400" dirty="0"/>
+              <a:t>Нечипоренко И. В</a:t>
+            </a:r>
+            <a:r>
+              <a:rPr lang="ru-RU" sz="2400" dirty="0" smtClean="0"/>
+              <a:t>. – планирование, поиск информации</a:t>
+            </a:r>
+            <a:endParaRPr lang="ru-RU" sz="2400" dirty="0"/>
+          </a:p>
+          <a:p>
+            <a:pPr marL="68580" indent="0">
+              <a:buNone/>
+            </a:pPr>
+            <a:r>
+              <a:rPr lang="ru-RU" sz="2400" dirty="0"/>
+              <a:t>Царенко А. П</a:t>
+            </a:r>
+            <a:r>
+              <a:rPr lang="ru-RU" sz="2400" dirty="0" smtClean="0"/>
+              <a:t>. – написание кода, тестирование</a:t>
+            </a:r>
+            <a:endParaRPr lang="ru-RU" sz="2400" dirty="0"/>
+          </a:p>
+          <a:p>
+            <a:pPr marL="68580" indent="0">
+              <a:buNone/>
+            </a:pPr>
+            <a:r>
+              <a:rPr lang="ru-RU" sz="2400" dirty="0"/>
+              <a:t>Веретенников Л. И</a:t>
+            </a:r>
+            <a:r>
+              <a:rPr lang="ru-RU" sz="2400" dirty="0" smtClean="0"/>
+              <a:t>. – анализ, разработка интерфейса</a:t>
+            </a:r>
+          </a:p>
+        </p:txBody>
+      </p:sp>
+      <p:pic>
+        <p:nvPicPr>
+          <p:cNvPr id="1028" name="Picture 4"/>
+          <p:cNvPicPr>
+            <a:picLocks noChangeAspect="1" noChangeArrowheads="1"/>
+          </p:cNvPicPr>
+          <p:nvPr/>
         </p:nvPicPr>
         <p:blipFill>
           <a:blip r:embed="rId2">
@@ -7175,8 +7452,8 @@
         </p:blipFill>
         <p:spPr bwMode="auto">
           <a:xfrm>
-            <a:off x="899592" y="1844824"/>
-            <a:ext cx="7772400" cy="2214230"/>
+            <a:off x="755576" y="1556792"/>
+            <a:ext cx="7920880" cy="2228964"/>
           </a:xfrm>
           <a:prstGeom prst="rect">
             <a:avLst/>
